--- a/docs/Bronco.pptx
+++ b/docs/Bronco.pptx
@@ -214,7 +214,7 @@
           <a:p>
             <a:fld id="{2C4C0C43-852F-4EF7-9955-10B6929A8D2F}" type="datetimeFigureOut">
               <a:rPr lang="en-GB" smtClean="0"/>
-              <a:t>21/12/2023</a:t>
+              <a:t>10/01/2024</a:t>
             </a:fld>
             <a:endParaRPr lang="en-GB"/>
           </a:p>
@@ -631,7 +631,7 @@
           <a:p>
             <a:fld id="{2380EE56-1A5E-433A-B249-36589E6008D5}" type="datetimeFigureOut">
               <a:rPr lang="en-IN" smtClean="0"/>
-              <a:t>21-12-2023</a:t>
+              <a:t>10-01-2024</a:t>
             </a:fld>
             <a:endParaRPr lang="en-IN"/>
           </a:p>
@@ -831,7 +831,7 @@
           <a:p>
             <a:fld id="{2380EE56-1A5E-433A-B249-36589E6008D5}" type="datetimeFigureOut">
               <a:rPr lang="en-IN" smtClean="0"/>
-              <a:t>21-12-2023</a:t>
+              <a:t>10-01-2024</a:t>
             </a:fld>
             <a:endParaRPr lang="en-IN"/>
           </a:p>
@@ -1041,7 +1041,7 @@
           <a:p>
             <a:fld id="{2380EE56-1A5E-433A-B249-36589E6008D5}" type="datetimeFigureOut">
               <a:rPr lang="en-IN" smtClean="0"/>
-              <a:t>21-12-2023</a:t>
+              <a:t>10-01-2024</a:t>
             </a:fld>
             <a:endParaRPr lang="en-IN"/>
           </a:p>
@@ -1241,7 +1241,7 @@
           <a:p>
             <a:fld id="{2380EE56-1A5E-433A-B249-36589E6008D5}" type="datetimeFigureOut">
               <a:rPr lang="en-IN" smtClean="0"/>
-              <a:t>21-12-2023</a:t>
+              <a:t>10-01-2024</a:t>
             </a:fld>
             <a:endParaRPr lang="en-IN"/>
           </a:p>
@@ -1517,7 +1517,7 @@
           <a:p>
             <a:fld id="{2380EE56-1A5E-433A-B249-36589E6008D5}" type="datetimeFigureOut">
               <a:rPr lang="en-IN" smtClean="0"/>
-              <a:t>21-12-2023</a:t>
+              <a:t>10-01-2024</a:t>
             </a:fld>
             <a:endParaRPr lang="en-IN"/>
           </a:p>
@@ -1785,7 +1785,7 @@
           <a:p>
             <a:fld id="{2380EE56-1A5E-433A-B249-36589E6008D5}" type="datetimeFigureOut">
               <a:rPr lang="en-IN" smtClean="0"/>
-              <a:t>21-12-2023</a:t>
+              <a:t>10-01-2024</a:t>
             </a:fld>
             <a:endParaRPr lang="en-IN"/>
           </a:p>
@@ -2200,7 +2200,7 @@
           <a:p>
             <a:fld id="{2380EE56-1A5E-433A-B249-36589E6008D5}" type="datetimeFigureOut">
               <a:rPr lang="en-IN" smtClean="0"/>
-              <a:t>21-12-2023</a:t>
+              <a:t>10-01-2024</a:t>
             </a:fld>
             <a:endParaRPr lang="en-IN"/>
           </a:p>
@@ -2342,7 +2342,7 @@
           <a:p>
             <a:fld id="{2380EE56-1A5E-433A-B249-36589E6008D5}" type="datetimeFigureOut">
               <a:rPr lang="en-IN" smtClean="0"/>
-              <a:t>21-12-2023</a:t>
+              <a:t>10-01-2024</a:t>
             </a:fld>
             <a:endParaRPr lang="en-IN"/>
           </a:p>
@@ -2455,7 +2455,7 @@
           <a:p>
             <a:fld id="{2380EE56-1A5E-433A-B249-36589E6008D5}" type="datetimeFigureOut">
               <a:rPr lang="en-IN" smtClean="0"/>
-              <a:t>21-12-2023</a:t>
+              <a:t>10-01-2024</a:t>
             </a:fld>
             <a:endParaRPr lang="en-IN"/>
           </a:p>
@@ -2995,7 +2995,7 @@
           <a:p>
             <a:fld id="{2380EE56-1A5E-433A-B249-36589E6008D5}" type="datetimeFigureOut">
               <a:rPr lang="en-IN" smtClean="0"/>
-              <a:t>21-12-2023</a:t>
+              <a:t>10-01-2024</a:t>
             </a:fld>
             <a:endParaRPr lang="en-IN"/>
           </a:p>
@@ -3284,7 +3284,7 @@
           <a:p>
             <a:fld id="{2380EE56-1A5E-433A-B249-36589E6008D5}" type="datetimeFigureOut">
               <a:rPr lang="en-IN" smtClean="0"/>
-              <a:t>21-12-2023</a:t>
+              <a:t>10-01-2024</a:t>
             </a:fld>
             <a:endParaRPr lang="en-IN"/>
           </a:p>
@@ -3527,7 +3527,7 @@
           <a:p>
             <a:fld id="{2380EE56-1A5E-433A-B249-36589E6008D5}" type="datetimeFigureOut">
               <a:rPr lang="en-IN" smtClean="0"/>
-              <a:t>21-12-2023</a:t>
+              <a:t>10-01-2024</a:t>
             </a:fld>
             <a:endParaRPr lang="en-IN"/>
           </a:p>
@@ -6805,10 +6805,10 @@
       </p:grpSp>
       <p:grpSp>
         <p:nvGrpSpPr>
-          <p:cNvPr id="2" name="Group 1">
+          <p:cNvPr id="21" name="Group 20">
             <a:extLst>
               <a:ext uri="{FF2B5EF4-FFF2-40B4-BE49-F238E27FC236}">
-                <a16:creationId xmlns:a16="http://schemas.microsoft.com/office/drawing/2014/main" id="{1F5F8CC3-F2F8-FC49-3C81-32E1834C7279}"/>
+                <a16:creationId xmlns:a16="http://schemas.microsoft.com/office/drawing/2014/main" id="{59653B49-505A-D16D-F06E-F874FD7320B7}"/>
               </a:ext>
             </a:extLst>
           </p:cNvPr>
@@ -6819,16 +6819,16 @@
           <a:xfrm>
             <a:off x="6086475" y="0"/>
             <a:ext cx="6610350" cy="6858000"/>
-            <a:chOff x="0" y="0"/>
+            <a:chOff x="6086475" y="0"/>
             <a:chExt cx="6610350" cy="6858000"/>
           </a:xfrm>
         </p:grpSpPr>
         <p:grpSp>
           <p:nvGrpSpPr>
-            <p:cNvPr id="5" name="Group 4">
+            <p:cNvPr id="2" name="Group 1">
               <a:extLst>
                 <a:ext uri="{FF2B5EF4-FFF2-40B4-BE49-F238E27FC236}">
-                  <a16:creationId xmlns:a16="http://schemas.microsoft.com/office/drawing/2014/main" id="{F76FF2FD-8AEC-A244-EF86-B7598771EEBC}"/>
+                  <a16:creationId xmlns:a16="http://schemas.microsoft.com/office/drawing/2014/main" id="{1F5F8CC3-F2F8-FC49-3C81-32E1834C7279}"/>
                 </a:ext>
               </a:extLst>
             </p:cNvPr>
@@ -6836,68 +6836,19 @@
             <p:nvPr/>
           </p:nvGrpSpPr>
           <p:grpSpPr>
-            <a:xfrm flipH="1">
-              <a:off x="0" y="0"/>
+            <a:xfrm>
+              <a:off x="6086475" y="0"/>
               <a:ext cx="6610350" cy="6858000"/>
-              <a:chOff x="5581650" y="0"/>
+              <a:chOff x="0" y="0"/>
               <a:chExt cx="6610350" cy="6858000"/>
             </a:xfrm>
           </p:grpSpPr>
-          <p:sp>
-            <p:nvSpPr>
-              <p:cNvPr id="15" name="Rectangle 14">
+          <p:grpSp>
+            <p:nvGrpSpPr>
+              <p:cNvPr id="5" name="Group 4">
                 <a:extLst>
                   <a:ext uri="{FF2B5EF4-FFF2-40B4-BE49-F238E27FC236}">
-                    <a16:creationId xmlns:a16="http://schemas.microsoft.com/office/drawing/2014/main" id="{4AA862CA-95A4-CE22-3DC0-EF698FEAE6A8}"/>
-                  </a:ext>
-                </a:extLst>
-              </p:cNvPr>
-              <p:cNvSpPr/>
-              <p:nvPr/>
-            </p:nvSpPr>
-            <p:spPr>
-              <a:xfrm>
-                <a:off x="6096000" y="0"/>
-                <a:ext cx="6096000" cy="6858000"/>
-              </a:xfrm>
-              <a:prstGeom prst="rect">
-                <a:avLst/>
-              </a:prstGeom>
-              <a:solidFill>
-                <a:schemeClr val="tx1"/>
-              </a:solidFill>
-            </p:spPr>
-            <p:style>
-              <a:lnRef idx="2">
-                <a:schemeClr val="accent1">
-                  <a:shade val="15000"/>
-                </a:schemeClr>
-              </a:lnRef>
-              <a:fillRef idx="1">
-                <a:schemeClr val="accent1"/>
-              </a:fillRef>
-              <a:effectRef idx="0">
-                <a:schemeClr val="accent1"/>
-              </a:effectRef>
-              <a:fontRef idx="minor">
-                <a:schemeClr val="lt1"/>
-              </a:fontRef>
-            </p:style>
-            <p:txBody>
-              <a:bodyPr rtlCol="0" anchor="ctr"/>
-              <a:lstStyle/>
-              <a:p>
-                <a:pPr algn="ctr"/>
-                <a:endParaRPr lang="en-IN" dirty="0"/>
-              </a:p>
-            </p:txBody>
-          </p:sp>
-          <p:grpSp>
-            <p:nvGrpSpPr>
-              <p:cNvPr id="16" name="Group 15">
-                <a:extLst>
-                  <a:ext uri="{FF2B5EF4-FFF2-40B4-BE49-F238E27FC236}">
-                    <a16:creationId xmlns:a16="http://schemas.microsoft.com/office/drawing/2014/main" id="{45353414-3A3C-E023-B9F2-49EBF9978923}"/>
+                    <a16:creationId xmlns:a16="http://schemas.microsoft.com/office/drawing/2014/main" id="{F76FF2FD-8AEC-A244-EF86-B7598771EEBC}"/>
                   </a:ext>
                 </a:extLst>
               </p:cNvPr>
@@ -6906,18 +6857,18 @@
             </p:nvGrpSpPr>
             <p:grpSpPr>
               <a:xfrm flipH="1">
-                <a:off x="5581650" y="419100"/>
-                <a:ext cx="6610350" cy="6019800"/>
-                <a:chOff x="-295275" y="419100"/>
-                <a:chExt cx="6610350" cy="6019800"/>
+                <a:off x="0" y="0"/>
+                <a:ext cx="6610350" cy="6858000"/>
+                <a:chOff x="5581650" y="0"/>
+                <a:chExt cx="6610350" cy="6858000"/>
               </a:xfrm>
             </p:grpSpPr>
             <p:sp>
               <p:nvSpPr>
-                <p:cNvPr id="17" name="Freeform: Shape 16">
+                <p:cNvPr id="15" name="Rectangle 14">
                   <a:extLst>
                     <a:ext uri="{FF2B5EF4-FFF2-40B4-BE49-F238E27FC236}">
-                      <a16:creationId xmlns:a16="http://schemas.microsoft.com/office/drawing/2014/main" id="{5A4DF2FF-82DB-417F-D045-C2E51DFD4395}"/>
+                      <a16:creationId xmlns:a16="http://schemas.microsoft.com/office/drawing/2014/main" id="{4AA862CA-95A4-CE22-3DC0-EF698FEAE6A8}"/>
                     </a:ext>
                   </a:extLst>
                 </p:cNvPr>
@@ -6926,96 +6877,15 @@
               </p:nvSpPr>
               <p:spPr>
                 <a:xfrm>
-                  <a:off x="-295275" y="419100"/>
-                  <a:ext cx="3009900" cy="6019800"/>
+                  <a:off x="6096000" y="0"/>
+                  <a:ext cx="6096000" cy="6858000"/>
                 </a:xfrm>
-                <a:custGeom>
+                <a:prstGeom prst="rect">
                   <a:avLst/>
-                  <a:gdLst>
-                    <a:gd name="connsiteX0" fmla="*/ 0 w 3009900"/>
-                    <a:gd name="connsiteY0" fmla="*/ 0 h 6019800"/>
-                    <a:gd name="connsiteX1" fmla="*/ 3009900 w 3009900"/>
-                    <a:gd name="connsiteY1" fmla="*/ 3009900 h 6019800"/>
-                    <a:gd name="connsiteX2" fmla="*/ 0 w 3009900"/>
-                    <a:gd name="connsiteY2" fmla="*/ 6019800 h 6019800"/>
-                    <a:gd name="connsiteX3" fmla="*/ 0 w 3009900"/>
-                    <a:gd name="connsiteY3" fmla="*/ 4514850 h 6019800"/>
-                    <a:gd name="connsiteX4" fmla="*/ 1504950 w 3009900"/>
-                    <a:gd name="connsiteY4" fmla="*/ 3009900 h 6019800"/>
-                    <a:gd name="connsiteX5" fmla="*/ 0 w 3009900"/>
-                    <a:gd name="connsiteY5" fmla="*/ 1504950 h 6019800"/>
-                    <a:gd name="connsiteX6" fmla="*/ 0 w 3009900"/>
-                    <a:gd name="connsiteY6" fmla="*/ 0 h 6019800"/>
-                  </a:gdLst>
-                  <a:ahLst/>
-                  <a:cxnLst>
-                    <a:cxn ang="0">
-                      <a:pos x="connsiteX0" y="connsiteY0"/>
-                    </a:cxn>
-                    <a:cxn ang="0">
-                      <a:pos x="connsiteX1" y="connsiteY1"/>
-                    </a:cxn>
-                    <a:cxn ang="0">
-                      <a:pos x="connsiteX2" y="connsiteY2"/>
-                    </a:cxn>
-                    <a:cxn ang="0">
-                      <a:pos x="connsiteX3" y="connsiteY3"/>
-                    </a:cxn>
-                    <a:cxn ang="0">
-                      <a:pos x="connsiteX4" y="connsiteY4"/>
-                    </a:cxn>
-                    <a:cxn ang="0">
-                      <a:pos x="connsiteX5" y="connsiteY5"/>
-                    </a:cxn>
-                    <a:cxn ang="0">
-                      <a:pos x="connsiteX6" y="connsiteY6"/>
-                    </a:cxn>
-                  </a:cxnLst>
-                  <a:rect l="l" t="t" r="r" b="b"/>
-                  <a:pathLst>
-                    <a:path w="3009900" h="6019800">
-                      <a:moveTo>
-                        <a:pt x="0" y="0"/>
-                      </a:moveTo>
-                      <a:cubicBezTo>
-                        <a:pt x="1662322" y="0"/>
-                        <a:pt x="3009900" y="1347578"/>
-                        <a:pt x="3009900" y="3009900"/>
-                      </a:cubicBezTo>
-                      <a:cubicBezTo>
-                        <a:pt x="3009900" y="4672222"/>
-                        <a:pt x="1662322" y="6019800"/>
-                        <a:pt x="0" y="6019800"/>
-                      </a:cubicBezTo>
-                      <a:lnTo>
-                        <a:pt x="0" y="4514850"/>
-                      </a:lnTo>
-                      <a:cubicBezTo>
-                        <a:pt x="831161" y="4514850"/>
-                        <a:pt x="1504950" y="3841061"/>
-                        <a:pt x="1504950" y="3009900"/>
-                      </a:cubicBezTo>
-                      <a:cubicBezTo>
-                        <a:pt x="1504950" y="2178739"/>
-                        <a:pt x="831161" y="1504950"/>
-                        <a:pt x="0" y="1504950"/>
-                      </a:cubicBezTo>
-                      <a:lnTo>
-                        <a:pt x="0" y="0"/>
-                      </a:lnTo>
-                      <a:close/>
-                    </a:path>
-                  </a:pathLst>
-                </a:custGeom>
+                </a:prstGeom>
                 <a:solidFill>
-                  <a:schemeClr val="bg1">
-                    <a:lumMod val="95000"/>
-                    <a:alpha val="15000"/>
-                  </a:schemeClr>
+                  <a:schemeClr val="tx1"/>
                 </a:solidFill>
-                <a:ln>
-                  <a:noFill/>
-                </a:ln>
               </p:spPr>
               <p:style>
                 <a:lnRef idx="2">
@@ -7034,438 +6904,589 @@
                 </a:fontRef>
               </p:style>
               <p:txBody>
-                <a:bodyPr wrap="square" rtlCol="0" anchor="ctr">
-                  <a:noAutofit/>
-                </a:bodyPr>
+                <a:bodyPr rtlCol="0" anchor="ctr"/>
                 <a:lstStyle/>
                 <a:p>
                   <a:pPr algn="ctr"/>
-                  <a:endParaRPr lang="en-IN"/>
+                  <a:endParaRPr lang="en-IN" dirty="0"/>
                 </a:p>
               </p:txBody>
             </p:sp>
-            <p:sp>
-              <p:nvSpPr>
-                <p:cNvPr id="18" name="Freeform: Shape 17">
+            <p:grpSp>
+              <p:nvGrpSpPr>
+                <p:cNvPr id="16" name="Group 15">
                   <a:extLst>
                     <a:ext uri="{FF2B5EF4-FFF2-40B4-BE49-F238E27FC236}">
-                      <a16:creationId xmlns:a16="http://schemas.microsoft.com/office/drawing/2014/main" id="{74B2E8E4-EE2B-C29C-52BD-67962C44FB45}"/>
+                      <a16:creationId xmlns:a16="http://schemas.microsoft.com/office/drawing/2014/main" id="{45353414-3A3C-E023-B9F2-49EBF9978923}"/>
                     </a:ext>
                   </a:extLst>
                 </p:cNvPr>
-                <p:cNvSpPr/>
+                <p:cNvGrpSpPr/>
                 <p:nvPr/>
-              </p:nvSpPr>
-              <p:spPr>
-                <a:xfrm>
-                  <a:off x="-295275" y="2114550"/>
-                  <a:ext cx="1314450" cy="2628900"/>
+              </p:nvGrpSpPr>
+              <p:grpSpPr>
+                <a:xfrm flipH="1">
+                  <a:off x="5581650" y="419100"/>
+                  <a:ext cx="6610350" cy="6019800"/>
+                  <a:chOff x="-295275" y="419100"/>
+                  <a:chExt cx="6610350" cy="6019800"/>
                 </a:xfrm>
-                <a:custGeom>
-                  <a:avLst/>
-                  <a:gdLst>
-                    <a:gd name="connsiteX0" fmla="*/ 0 w 3009900"/>
-                    <a:gd name="connsiteY0" fmla="*/ 0 h 6019800"/>
-                    <a:gd name="connsiteX1" fmla="*/ 3009900 w 3009900"/>
-                    <a:gd name="connsiteY1" fmla="*/ 3009900 h 6019800"/>
-                    <a:gd name="connsiteX2" fmla="*/ 0 w 3009900"/>
-                    <a:gd name="connsiteY2" fmla="*/ 6019800 h 6019800"/>
-                    <a:gd name="connsiteX3" fmla="*/ 0 w 3009900"/>
-                    <a:gd name="connsiteY3" fmla="*/ 4514850 h 6019800"/>
-                    <a:gd name="connsiteX4" fmla="*/ 1504950 w 3009900"/>
-                    <a:gd name="connsiteY4" fmla="*/ 3009900 h 6019800"/>
-                    <a:gd name="connsiteX5" fmla="*/ 0 w 3009900"/>
-                    <a:gd name="connsiteY5" fmla="*/ 1504950 h 6019800"/>
-                    <a:gd name="connsiteX6" fmla="*/ 0 w 3009900"/>
-                    <a:gd name="connsiteY6" fmla="*/ 0 h 6019800"/>
-                  </a:gdLst>
-                  <a:ahLst/>
-                  <a:cxnLst>
-                    <a:cxn ang="0">
-                      <a:pos x="connsiteX0" y="connsiteY0"/>
-                    </a:cxn>
-                    <a:cxn ang="0">
-                      <a:pos x="connsiteX1" y="connsiteY1"/>
-                    </a:cxn>
-                    <a:cxn ang="0">
-                      <a:pos x="connsiteX2" y="connsiteY2"/>
-                    </a:cxn>
-                    <a:cxn ang="0">
-                      <a:pos x="connsiteX3" y="connsiteY3"/>
-                    </a:cxn>
-                    <a:cxn ang="0">
-                      <a:pos x="connsiteX4" y="connsiteY4"/>
-                    </a:cxn>
-                    <a:cxn ang="0">
-                      <a:pos x="connsiteX5" y="connsiteY5"/>
-                    </a:cxn>
-                    <a:cxn ang="0">
-                      <a:pos x="connsiteX6" y="connsiteY6"/>
-                    </a:cxn>
-                  </a:cxnLst>
-                  <a:rect l="l" t="t" r="r" b="b"/>
-                  <a:pathLst>
-                    <a:path w="3009900" h="6019800">
-                      <a:moveTo>
-                        <a:pt x="0" y="0"/>
-                      </a:moveTo>
-                      <a:cubicBezTo>
-                        <a:pt x="1662322" y="0"/>
-                        <a:pt x="3009900" y="1347578"/>
-                        <a:pt x="3009900" y="3009900"/>
-                      </a:cubicBezTo>
-                      <a:cubicBezTo>
-                        <a:pt x="3009900" y="4672222"/>
-                        <a:pt x="1662322" y="6019800"/>
-                        <a:pt x="0" y="6019800"/>
-                      </a:cubicBezTo>
-                      <a:lnTo>
-                        <a:pt x="0" y="4514850"/>
-                      </a:lnTo>
-                      <a:cubicBezTo>
-                        <a:pt x="831161" y="4514850"/>
-                        <a:pt x="1504950" y="3841061"/>
-                        <a:pt x="1504950" y="3009900"/>
-                      </a:cubicBezTo>
-                      <a:cubicBezTo>
-                        <a:pt x="1504950" y="2178739"/>
-                        <a:pt x="831161" y="1504950"/>
-                        <a:pt x="0" y="1504950"/>
-                      </a:cubicBezTo>
-                      <a:lnTo>
-                        <a:pt x="0" y="0"/>
-                      </a:lnTo>
-                      <a:close/>
-                    </a:path>
-                  </a:pathLst>
-                </a:custGeom>
-                <a:solidFill>
-                  <a:schemeClr val="bg1">
-                    <a:lumMod val="95000"/>
-                    <a:alpha val="15000"/>
-                  </a:schemeClr>
-                </a:solidFill>
-                <a:ln>
-                  <a:noFill/>
-                </a:ln>
-              </p:spPr>
-              <p:style>
-                <a:lnRef idx="2">
-                  <a:schemeClr val="accent1">
-                    <a:shade val="15000"/>
-                  </a:schemeClr>
-                </a:lnRef>
-                <a:fillRef idx="1">
-                  <a:schemeClr val="accent1"/>
-                </a:fillRef>
-                <a:effectRef idx="0">
-                  <a:schemeClr val="accent1"/>
-                </a:effectRef>
-                <a:fontRef idx="minor">
-                  <a:schemeClr val="lt1"/>
-                </a:fontRef>
-              </p:style>
-              <p:txBody>
-                <a:bodyPr wrap="square" rtlCol="0" anchor="ctr">
-                  <a:noAutofit/>
-                </a:bodyPr>
-                <a:lstStyle/>
-                <a:p>
-                  <a:pPr algn="ctr"/>
-                  <a:endParaRPr lang="en-IN"/>
-                </a:p>
-              </p:txBody>
-            </p:sp>
-            <p:sp>
-              <p:nvSpPr>
-                <p:cNvPr id="19" name="Freeform: Shape 18">
+              </p:grpSpPr>
+              <p:sp>
+                <p:nvSpPr>
+                  <p:cNvPr id="17" name="Freeform: Shape 16">
+                    <a:extLst>
+                      <a:ext uri="{FF2B5EF4-FFF2-40B4-BE49-F238E27FC236}">
+                        <a16:creationId xmlns:a16="http://schemas.microsoft.com/office/drawing/2014/main" id="{5A4DF2FF-82DB-417F-D045-C2E51DFD4395}"/>
+                      </a:ext>
+                    </a:extLst>
+                  </p:cNvPr>
+                  <p:cNvSpPr/>
+                  <p:nvPr/>
+                </p:nvSpPr>
+                <p:spPr>
+                  <a:xfrm>
+                    <a:off x="-295275" y="419100"/>
+                    <a:ext cx="3009900" cy="6019800"/>
+                  </a:xfrm>
+                  <a:custGeom>
+                    <a:avLst/>
+                    <a:gdLst>
+                      <a:gd name="connsiteX0" fmla="*/ 0 w 3009900"/>
+                      <a:gd name="connsiteY0" fmla="*/ 0 h 6019800"/>
+                      <a:gd name="connsiteX1" fmla="*/ 3009900 w 3009900"/>
+                      <a:gd name="connsiteY1" fmla="*/ 3009900 h 6019800"/>
+                      <a:gd name="connsiteX2" fmla="*/ 0 w 3009900"/>
+                      <a:gd name="connsiteY2" fmla="*/ 6019800 h 6019800"/>
+                      <a:gd name="connsiteX3" fmla="*/ 0 w 3009900"/>
+                      <a:gd name="connsiteY3" fmla="*/ 4514850 h 6019800"/>
+                      <a:gd name="connsiteX4" fmla="*/ 1504950 w 3009900"/>
+                      <a:gd name="connsiteY4" fmla="*/ 3009900 h 6019800"/>
+                      <a:gd name="connsiteX5" fmla="*/ 0 w 3009900"/>
+                      <a:gd name="connsiteY5" fmla="*/ 1504950 h 6019800"/>
+                      <a:gd name="connsiteX6" fmla="*/ 0 w 3009900"/>
+                      <a:gd name="connsiteY6" fmla="*/ 0 h 6019800"/>
+                    </a:gdLst>
+                    <a:ahLst/>
+                    <a:cxnLst>
+                      <a:cxn ang="0">
+                        <a:pos x="connsiteX0" y="connsiteY0"/>
+                      </a:cxn>
+                      <a:cxn ang="0">
+                        <a:pos x="connsiteX1" y="connsiteY1"/>
+                      </a:cxn>
+                      <a:cxn ang="0">
+                        <a:pos x="connsiteX2" y="connsiteY2"/>
+                      </a:cxn>
+                      <a:cxn ang="0">
+                        <a:pos x="connsiteX3" y="connsiteY3"/>
+                      </a:cxn>
+                      <a:cxn ang="0">
+                        <a:pos x="connsiteX4" y="connsiteY4"/>
+                      </a:cxn>
+                      <a:cxn ang="0">
+                        <a:pos x="connsiteX5" y="connsiteY5"/>
+                      </a:cxn>
+                      <a:cxn ang="0">
+                        <a:pos x="connsiteX6" y="connsiteY6"/>
+                      </a:cxn>
+                    </a:cxnLst>
+                    <a:rect l="l" t="t" r="r" b="b"/>
+                    <a:pathLst>
+                      <a:path w="3009900" h="6019800">
+                        <a:moveTo>
+                          <a:pt x="0" y="0"/>
+                        </a:moveTo>
+                        <a:cubicBezTo>
+                          <a:pt x="1662322" y="0"/>
+                          <a:pt x="3009900" y="1347578"/>
+                          <a:pt x="3009900" y="3009900"/>
+                        </a:cubicBezTo>
+                        <a:cubicBezTo>
+                          <a:pt x="3009900" y="4672222"/>
+                          <a:pt x="1662322" y="6019800"/>
+                          <a:pt x="0" y="6019800"/>
+                        </a:cubicBezTo>
+                        <a:lnTo>
+                          <a:pt x="0" y="4514850"/>
+                        </a:lnTo>
+                        <a:cubicBezTo>
+                          <a:pt x="831161" y="4514850"/>
+                          <a:pt x="1504950" y="3841061"/>
+                          <a:pt x="1504950" y="3009900"/>
+                        </a:cubicBezTo>
+                        <a:cubicBezTo>
+                          <a:pt x="1504950" y="2178739"/>
+                          <a:pt x="831161" y="1504950"/>
+                          <a:pt x="0" y="1504950"/>
+                        </a:cubicBezTo>
+                        <a:lnTo>
+                          <a:pt x="0" y="0"/>
+                        </a:lnTo>
+                        <a:close/>
+                      </a:path>
+                    </a:pathLst>
+                  </a:custGeom>
+                  <a:solidFill>
+                    <a:schemeClr val="bg1">
+                      <a:lumMod val="95000"/>
+                      <a:alpha val="15000"/>
+                    </a:schemeClr>
+                  </a:solidFill>
+                  <a:ln>
+                    <a:noFill/>
+                  </a:ln>
+                </p:spPr>
+                <p:style>
+                  <a:lnRef idx="2">
+                    <a:schemeClr val="accent1">
+                      <a:shade val="15000"/>
+                    </a:schemeClr>
+                  </a:lnRef>
+                  <a:fillRef idx="1">
+                    <a:schemeClr val="accent1"/>
+                  </a:fillRef>
+                  <a:effectRef idx="0">
+                    <a:schemeClr val="accent1"/>
+                  </a:effectRef>
+                  <a:fontRef idx="minor">
+                    <a:schemeClr val="lt1"/>
+                  </a:fontRef>
+                </p:style>
+                <p:txBody>
+                  <a:bodyPr wrap="square" rtlCol="0" anchor="ctr">
+                    <a:noAutofit/>
+                  </a:bodyPr>
+                  <a:lstStyle/>
+                  <a:p>
+                    <a:pPr algn="ctr"/>
+                    <a:endParaRPr lang="en-IN"/>
+                  </a:p>
+                </p:txBody>
+              </p:sp>
+              <p:sp>
+                <p:nvSpPr>
+                  <p:cNvPr id="18" name="Freeform: Shape 17">
+                    <a:extLst>
+                      <a:ext uri="{FF2B5EF4-FFF2-40B4-BE49-F238E27FC236}">
+                        <a16:creationId xmlns:a16="http://schemas.microsoft.com/office/drawing/2014/main" id="{74B2E8E4-EE2B-C29C-52BD-67962C44FB45}"/>
+                      </a:ext>
+                    </a:extLst>
+                  </p:cNvPr>
+                  <p:cNvSpPr/>
+                  <p:nvPr/>
+                </p:nvSpPr>
+                <p:spPr>
+                  <a:xfrm>
+                    <a:off x="-295275" y="2114550"/>
+                    <a:ext cx="1314450" cy="2628900"/>
+                  </a:xfrm>
+                  <a:custGeom>
+                    <a:avLst/>
+                    <a:gdLst>
+                      <a:gd name="connsiteX0" fmla="*/ 0 w 3009900"/>
+                      <a:gd name="connsiteY0" fmla="*/ 0 h 6019800"/>
+                      <a:gd name="connsiteX1" fmla="*/ 3009900 w 3009900"/>
+                      <a:gd name="connsiteY1" fmla="*/ 3009900 h 6019800"/>
+                      <a:gd name="connsiteX2" fmla="*/ 0 w 3009900"/>
+                      <a:gd name="connsiteY2" fmla="*/ 6019800 h 6019800"/>
+                      <a:gd name="connsiteX3" fmla="*/ 0 w 3009900"/>
+                      <a:gd name="connsiteY3" fmla="*/ 4514850 h 6019800"/>
+                      <a:gd name="connsiteX4" fmla="*/ 1504950 w 3009900"/>
+                      <a:gd name="connsiteY4" fmla="*/ 3009900 h 6019800"/>
+                      <a:gd name="connsiteX5" fmla="*/ 0 w 3009900"/>
+                      <a:gd name="connsiteY5" fmla="*/ 1504950 h 6019800"/>
+                      <a:gd name="connsiteX6" fmla="*/ 0 w 3009900"/>
+                      <a:gd name="connsiteY6" fmla="*/ 0 h 6019800"/>
+                    </a:gdLst>
+                    <a:ahLst/>
+                    <a:cxnLst>
+                      <a:cxn ang="0">
+                        <a:pos x="connsiteX0" y="connsiteY0"/>
+                      </a:cxn>
+                      <a:cxn ang="0">
+                        <a:pos x="connsiteX1" y="connsiteY1"/>
+                      </a:cxn>
+                      <a:cxn ang="0">
+                        <a:pos x="connsiteX2" y="connsiteY2"/>
+                      </a:cxn>
+                      <a:cxn ang="0">
+                        <a:pos x="connsiteX3" y="connsiteY3"/>
+                      </a:cxn>
+                      <a:cxn ang="0">
+                        <a:pos x="connsiteX4" y="connsiteY4"/>
+                      </a:cxn>
+                      <a:cxn ang="0">
+                        <a:pos x="connsiteX5" y="connsiteY5"/>
+                      </a:cxn>
+                      <a:cxn ang="0">
+                        <a:pos x="connsiteX6" y="connsiteY6"/>
+                      </a:cxn>
+                    </a:cxnLst>
+                    <a:rect l="l" t="t" r="r" b="b"/>
+                    <a:pathLst>
+                      <a:path w="3009900" h="6019800">
+                        <a:moveTo>
+                          <a:pt x="0" y="0"/>
+                        </a:moveTo>
+                        <a:cubicBezTo>
+                          <a:pt x="1662322" y="0"/>
+                          <a:pt x="3009900" y="1347578"/>
+                          <a:pt x="3009900" y="3009900"/>
+                        </a:cubicBezTo>
+                        <a:cubicBezTo>
+                          <a:pt x="3009900" y="4672222"/>
+                          <a:pt x="1662322" y="6019800"/>
+                          <a:pt x="0" y="6019800"/>
+                        </a:cubicBezTo>
+                        <a:lnTo>
+                          <a:pt x="0" y="4514850"/>
+                        </a:lnTo>
+                        <a:cubicBezTo>
+                          <a:pt x="831161" y="4514850"/>
+                          <a:pt x="1504950" y="3841061"/>
+                          <a:pt x="1504950" y="3009900"/>
+                        </a:cubicBezTo>
+                        <a:cubicBezTo>
+                          <a:pt x="1504950" y="2178739"/>
+                          <a:pt x="831161" y="1504950"/>
+                          <a:pt x="0" y="1504950"/>
+                        </a:cubicBezTo>
+                        <a:lnTo>
+                          <a:pt x="0" y="0"/>
+                        </a:lnTo>
+                        <a:close/>
+                      </a:path>
+                    </a:pathLst>
+                  </a:custGeom>
+                  <a:solidFill>
+                    <a:schemeClr val="bg1">
+                      <a:lumMod val="95000"/>
+                      <a:alpha val="15000"/>
+                    </a:schemeClr>
+                  </a:solidFill>
+                  <a:ln>
+                    <a:noFill/>
+                  </a:ln>
+                </p:spPr>
+                <p:style>
+                  <a:lnRef idx="2">
+                    <a:schemeClr val="accent1">
+                      <a:shade val="15000"/>
+                    </a:schemeClr>
+                  </a:lnRef>
+                  <a:fillRef idx="1">
+                    <a:schemeClr val="accent1"/>
+                  </a:fillRef>
+                  <a:effectRef idx="0">
+                    <a:schemeClr val="accent1"/>
+                  </a:effectRef>
+                  <a:fontRef idx="minor">
+                    <a:schemeClr val="lt1"/>
+                  </a:fontRef>
+                </p:style>
+                <p:txBody>
+                  <a:bodyPr wrap="square" rtlCol="0" anchor="ctr">
+                    <a:noAutofit/>
+                  </a:bodyPr>
+                  <a:lstStyle/>
+                  <a:p>
+                    <a:pPr algn="ctr"/>
+                    <a:endParaRPr lang="en-IN"/>
+                  </a:p>
+                </p:txBody>
+              </p:sp>
+              <p:sp>
+                <p:nvSpPr>
+                  <p:cNvPr id="19" name="Freeform: Shape 18">
+                    <a:extLst>
+                      <a:ext uri="{FF2B5EF4-FFF2-40B4-BE49-F238E27FC236}">
+                        <a16:creationId xmlns:a16="http://schemas.microsoft.com/office/drawing/2014/main" id="{B017372F-33CA-0ED2-4365-7D646E171819}"/>
+                      </a:ext>
+                    </a:extLst>
+                  </p:cNvPr>
+                  <p:cNvSpPr/>
+                  <p:nvPr/>
+                </p:nvSpPr>
+                <p:spPr>
+                  <a:xfrm rot="10800000">
+                    <a:off x="3305175" y="419100"/>
+                    <a:ext cx="3009900" cy="6019800"/>
+                  </a:xfrm>
+                  <a:custGeom>
+                    <a:avLst/>
+                    <a:gdLst>
+                      <a:gd name="connsiteX0" fmla="*/ 0 w 3009900"/>
+                      <a:gd name="connsiteY0" fmla="*/ 0 h 6019800"/>
+                      <a:gd name="connsiteX1" fmla="*/ 3009900 w 3009900"/>
+                      <a:gd name="connsiteY1" fmla="*/ 3009900 h 6019800"/>
+                      <a:gd name="connsiteX2" fmla="*/ 0 w 3009900"/>
+                      <a:gd name="connsiteY2" fmla="*/ 6019800 h 6019800"/>
+                      <a:gd name="connsiteX3" fmla="*/ 0 w 3009900"/>
+                      <a:gd name="connsiteY3" fmla="*/ 4514850 h 6019800"/>
+                      <a:gd name="connsiteX4" fmla="*/ 1504950 w 3009900"/>
+                      <a:gd name="connsiteY4" fmla="*/ 3009900 h 6019800"/>
+                      <a:gd name="connsiteX5" fmla="*/ 0 w 3009900"/>
+                      <a:gd name="connsiteY5" fmla="*/ 1504950 h 6019800"/>
+                      <a:gd name="connsiteX6" fmla="*/ 0 w 3009900"/>
+                      <a:gd name="connsiteY6" fmla="*/ 0 h 6019800"/>
+                    </a:gdLst>
+                    <a:ahLst/>
+                    <a:cxnLst>
+                      <a:cxn ang="0">
+                        <a:pos x="connsiteX0" y="connsiteY0"/>
+                      </a:cxn>
+                      <a:cxn ang="0">
+                        <a:pos x="connsiteX1" y="connsiteY1"/>
+                      </a:cxn>
+                      <a:cxn ang="0">
+                        <a:pos x="connsiteX2" y="connsiteY2"/>
+                      </a:cxn>
+                      <a:cxn ang="0">
+                        <a:pos x="connsiteX3" y="connsiteY3"/>
+                      </a:cxn>
+                      <a:cxn ang="0">
+                        <a:pos x="connsiteX4" y="connsiteY4"/>
+                      </a:cxn>
+                      <a:cxn ang="0">
+                        <a:pos x="connsiteX5" y="connsiteY5"/>
+                      </a:cxn>
+                      <a:cxn ang="0">
+                        <a:pos x="connsiteX6" y="connsiteY6"/>
+                      </a:cxn>
+                    </a:cxnLst>
+                    <a:rect l="l" t="t" r="r" b="b"/>
+                    <a:pathLst>
+                      <a:path w="3009900" h="6019800">
+                        <a:moveTo>
+                          <a:pt x="0" y="0"/>
+                        </a:moveTo>
+                        <a:cubicBezTo>
+                          <a:pt x="1662322" y="0"/>
+                          <a:pt x="3009900" y="1347578"/>
+                          <a:pt x="3009900" y="3009900"/>
+                        </a:cubicBezTo>
+                        <a:cubicBezTo>
+                          <a:pt x="3009900" y="4672222"/>
+                          <a:pt x="1662322" y="6019800"/>
+                          <a:pt x="0" y="6019800"/>
+                        </a:cubicBezTo>
+                        <a:lnTo>
+                          <a:pt x="0" y="4514850"/>
+                        </a:lnTo>
+                        <a:cubicBezTo>
+                          <a:pt x="831161" y="4514850"/>
+                          <a:pt x="1504950" y="3841061"/>
+                          <a:pt x="1504950" y="3009900"/>
+                        </a:cubicBezTo>
+                        <a:cubicBezTo>
+                          <a:pt x="1504950" y="2178739"/>
+                          <a:pt x="831161" y="1504950"/>
+                          <a:pt x="0" y="1504950"/>
+                        </a:cubicBezTo>
+                        <a:lnTo>
+                          <a:pt x="0" y="0"/>
+                        </a:lnTo>
+                        <a:close/>
+                      </a:path>
+                    </a:pathLst>
+                  </a:custGeom>
+                  <a:solidFill>
+                    <a:schemeClr val="bg1">
+                      <a:lumMod val="95000"/>
+                      <a:alpha val="15000"/>
+                    </a:schemeClr>
+                  </a:solidFill>
+                  <a:ln>
+                    <a:noFill/>
+                  </a:ln>
+                </p:spPr>
+                <p:style>
+                  <a:lnRef idx="2">
+                    <a:schemeClr val="accent1">
+                      <a:shade val="15000"/>
+                    </a:schemeClr>
+                  </a:lnRef>
+                  <a:fillRef idx="1">
+                    <a:schemeClr val="accent1"/>
+                  </a:fillRef>
+                  <a:effectRef idx="0">
+                    <a:schemeClr val="accent1"/>
+                  </a:effectRef>
+                  <a:fontRef idx="minor">
+                    <a:schemeClr val="lt1"/>
+                  </a:fontRef>
+                </p:style>
+                <p:txBody>
+                  <a:bodyPr wrap="square" rtlCol="0" anchor="ctr">
+                    <a:noAutofit/>
+                  </a:bodyPr>
+                  <a:lstStyle/>
+                  <a:p>
+                    <a:pPr algn="ctr"/>
+                    <a:endParaRPr lang="en-IN"/>
+                  </a:p>
+                </p:txBody>
+              </p:sp>
+            </p:grpSp>
+          </p:grpSp>
+          <p:grpSp>
+            <p:nvGrpSpPr>
+              <p:cNvPr id="8" name="Group 7">
+                <a:extLst>
+                  <a:ext uri="{FF2B5EF4-FFF2-40B4-BE49-F238E27FC236}">
+                    <a16:creationId xmlns:a16="http://schemas.microsoft.com/office/drawing/2014/main" id="{DF8CFDBC-0852-FD48-7887-CEBA70B3FCCF}"/>
+                  </a:ext>
+                </a:extLst>
+              </p:cNvPr>
+              <p:cNvGrpSpPr/>
+              <p:nvPr/>
+            </p:nvGrpSpPr>
+            <p:grpSpPr>
+              <a:xfrm>
+                <a:off x="1151731" y="617341"/>
+                <a:ext cx="3716338" cy="5623318"/>
+                <a:chOff x="7247731" y="617340"/>
+                <a:chExt cx="3716338" cy="5623318"/>
+              </a:xfrm>
+            </p:grpSpPr>
+            <p:pic>
+              <p:nvPicPr>
+                <p:cNvPr id="9" name="Picture 2" descr="Iphone X Screen Mockup transparent PNG - StickPNG">
                   <a:extLst>
                     <a:ext uri="{FF2B5EF4-FFF2-40B4-BE49-F238E27FC236}">
-                      <a16:creationId xmlns:a16="http://schemas.microsoft.com/office/drawing/2014/main" id="{B017372F-33CA-0ED2-4365-7D646E171819}"/>
+                      <a16:creationId xmlns:a16="http://schemas.microsoft.com/office/drawing/2014/main" id="{B677BFE9-8CF0-008B-B213-CB4E7640F05B}"/>
                     </a:ext>
                   </a:extLst>
                 </p:cNvPr>
-                <p:cNvSpPr/>
+                <p:cNvPicPr>
+                  <a:picLocks noChangeAspect="1" noChangeArrowheads="1"/>
+                </p:cNvPicPr>
                 <p:nvPr/>
-              </p:nvSpPr>
-              <p:spPr>
-                <a:xfrm rot="10800000">
-                  <a:off x="3305175" y="419100"/>
-                  <a:ext cx="3009900" cy="6019800"/>
+              </p:nvPicPr>
+              <p:blipFill>
+                <a:blip r:embed="rId3">
+                  <a:extLst>
+                    <a:ext uri="{28A0092B-C50C-407E-A947-70E740481C1C}">
+                      <a14:useLocalDpi xmlns:a14="http://schemas.microsoft.com/office/drawing/2010/main" val="0"/>
+                    </a:ext>
+                  </a:extLst>
+                </a:blip>
+                <a:srcRect/>
+                <a:stretch>
+                  <a:fillRect/>
+                </a:stretch>
+              </p:blipFill>
+              <p:spPr bwMode="auto">
+                <a:xfrm>
+                  <a:off x="7247731" y="617340"/>
+                  <a:ext cx="3716338" cy="5623318"/>
                 </a:xfrm>
-                <a:custGeom>
+                <a:prstGeom prst="rect">
                   <a:avLst/>
-                  <a:gdLst>
-                    <a:gd name="connsiteX0" fmla="*/ 0 w 3009900"/>
-                    <a:gd name="connsiteY0" fmla="*/ 0 h 6019800"/>
-                    <a:gd name="connsiteX1" fmla="*/ 3009900 w 3009900"/>
-                    <a:gd name="connsiteY1" fmla="*/ 3009900 h 6019800"/>
-                    <a:gd name="connsiteX2" fmla="*/ 0 w 3009900"/>
-                    <a:gd name="connsiteY2" fmla="*/ 6019800 h 6019800"/>
-                    <a:gd name="connsiteX3" fmla="*/ 0 w 3009900"/>
-                    <a:gd name="connsiteY3" fmla="*/ 4514850 h 6019800"/>
-                    <a:gd name="connsiteX4" fmla="*/ 1504950 w 3009900"/>
-                    <a:gd name="connsiteY4" fmla="*/ 3009900 h 6019800"/>
-                    <a:gd name="connsiteX5" fmla="*/ 0 w 3009900"/>
-                    <a:gd name="connsiteY5" fmla="*/ 1504950 h 6019800"/>
-                    <a:gd name="connsiteX6" fmla="*/ 0 w 3009900"/>
-                    <a:gd name="connsiteY6" fmla="*/ 0 h 6019800"/>
-                  </a:gdLst>
-                  <a:ahLst/>
-                  <a:cxnLst>
-                    <a:cxn ang="0">
-                      <a:pos x="connsiteX0" y="connsiteY0"/>
-                    </a:cxn>
-                    <a:cxn ang="0">
-                      <a:pos x="connsiteX1" y="connsiteY1"/>
-                    </a:cxn>
-                    <a:cxn ang="0">
-                      <a:pos x="connsiteX2" y="connsiteY2"/>
-                    </a:cxn>
-                    <a:cxn ang="0">
-                      <a:pos x="connsiteX3" y="connsiteY3"/>
-                    </a:cxn>
-                    <a:cxn ang="0">
-                      <a:pos x="connsiteX4" y="connsiteY4"/>
-                    </a:cxn>
-                    <a:cxn ang="0">
-                      <a:pos x="connsiteX5" y="connsiteY5"/>
-                    </a:cxn>
-                    <a:cxn ang="0">
-                      <a:pos x="connsiteX6" y="connsiteY6"/>
-                    </a:cxn>
-                  </a:cxnLst>
-                  <a:rect l="l" t="t" r="r" b="b"/>
-                  <a:pathLst>
-                    <a:path w="3009900" h="6019800">
-                      <a:moveTo>
-                        <a:pt x="0" y="0"/>
-                      </a:moveTo>
-                      <a:cubicBezTo>
-                        <a:pt x="1662322" y="0"/>
-                        <a:pt x="3009900" y="1347578"/>
-                        <a:pt x="3009900" y="3009900"/>
-                      </a:cubicBezTo>
-                      <a:cubicBezTo>
-                        <a:pt x="3009900" y="4672222"/>
-                        <a:pt x="1662322" y="6019800"/>
-                        <a:pt x="0" y="6019800"/>
-                      </a:cubicBezTo>
-                      <a:lnTo>
-                        <a:pt x="0" y="4514850"/>
-                      </a:lnTo>
-                      <a:cubicBezTo>
-                        <a:pt x="831161" y="4514850"/>
-                        <a:pt x="1504950" y="3841061"/>
-                        <a:pt x="1504950" y="3009900"/>
-                      </a:cubicBezTo>
-                      <a:cubicBezTo>
-                        <a:pt x="1504950" y="2178739"/>
-                        <a:pt x="831161" y="1504950"/>
-                        <a:pt x="0" y="1504950"/>
-                      </a:cubicBezTo>
-                      <a:lnTo>
-                        <a:pt x="0" y="0"/>
-                      </a:lnTo>
-                      <a:close/>
-                    </a:path>
-                  </a:pathLst>
-                </a:custGeom>
-                <a:solidFill>
-                  <a:schemeClr val="bg1">
-                    <a:lumMod val="95000"/>
-                    <a:alpha val="15000"/>
-                  </a:schemeClr>
-                </a:solidFill>
-                <a:ln>
-                  <a:noFill/>
-                </a:ln>
+                </a:prstGeom>
+                <a:noFill/>
+                <a:extLst>
+                  <a:ext uri="{909E8E84-426E-40DD-AFC4-6F175D3DCCD1}">
+                    <a14:hiddenFill xmlns:a14="http://schemas.microsoft.com/office/drawing/2010/main">
+                      <a:solidFill>
+                        <a:srgbClr val="FFFFFF"/>
+                      </a:solidFill>
+                    </a14:hiddenFill>
+                  </a:ext>
+                </a:extLst>
               </p:spPr>
-              <p:style>
-                <a:lnRef idx="2">
-                  <a:schemeClr val="accent1">
-                    <a:shade val="15000"/>
-                  </a:schemeClr>
-                </a:lnRef>
-                <a:fillRef idx="1">
-                  <a:schemeClr val="accent1"/>
-                </a:fillRef>
-                <a:effectRef idx="0">
-                  <a:schemeClr val="accent1"/>
-                </a:effectRef>
-                <a:fontRef idx="minor">
-                  <a:schemeClr val="lt1"/>
-                </a:fontRef>
-              </p:style>
-              <p:txBody>
-                <a:bodyPr wrap="square" rtlCol="0" anchor="ctr">
-                  <a:noAutofit/>
-                </a:bodyPr>
-                <a:lstStyle/>
-                <a:p>
-                  <a:pPr algn="ctr"/>
-                  <a:endParaRPr lang="en-IN"/>
-                </a:p>
-              </p:txBody>
-            </p:sp>
+            </p:pic>
+            <p:pic>
+              <p:nvPicPr>
+                <p:cNvPr id="14" name="Picture 10" descr="Apple Logo and symbol, meaning, history, PNG, brand">
+                  <a:extLst>
+                    <a:ext uri="{FF2B5EF4-FFF2-40B4-BE49-F238E27FC236}">
+                      <a16:creationId xmlns:a16="http://schemas.microsoft.com/office/drawing/2014/main" id="{02A3220C-85FD-1DCB-65D7-E422774EE254}"/>
+                    </a:ext>
+                  </a:extLst>
+                </p:cNvPr>
+                <p:cNvPicPr>
+                  <a:picLocks noChangeAspect="1" noChangeArrowheads="1"/>
+                </p:cNvPicPr>
+                <p:nvPr/>
+              </p:nvPicPr>
+              <p:blipFill>
+                <a:blip r:embed="rId4">
+                  <a:lum bright="70000" contrast="-70000"/>
+                  <a:extLst>
+                    <a:ext uri="{BEBA8EAE-BF5A-486C-A8C5-ECC9F3942E4B}">
+                      <a14:imgProps xmlns:a14="http://schemas.microsoft.com/office/drawing/2010/main">
+                        <a14:imgLayer r:embed="rId5">
+                          <a14:imgEffect>
+                            <a14:brightnessContrast bright="-100000"/>
+                          </a14:imgEffect>
+                        </a14:imgLayer>
+                      </a14:imgProps>
+                    </a:ext>
+                    <a:ext uri="{28A0092B-C50C-407E-A947-70E740481C1C}">
+                      <a14:useLocalDpi xmlns:a14="http://schemas.microsoft.com/office/drawing/2010/main" val="0"/>
+                    </a:ext>
+                  </a:extLst>
+                </a:blip>
+                <a:srcRect/>
+                <a:stretch>
+                  <a:fillRect/>
+                </a:stretch>
+              </p:blipFill>
+              <p:spPr bwMode="auto">
+                <a:xfrm>
+                  <a:off x="8372475" y="3016447"/>
+                  <a:ext cx="1466850" cy="825104"/>
+                </a:xfrm>
+                <a:prstGeom prst="rect">
+                  <a:avLst/>
+                </a:prstGeom>
+                <a:noFill/>
+                <a:extLst>
+                  <a:ext uri="{909E8E84-426E-40DD-AFC4-6F175D3DCCD1}">
+                    <a14:hiddenFill xmlns:a14="http://schemas.microsoft.com/office/drawing/2010/main">
+                      <a:solidFill>
+                        <a:srgbClr val="FFFFFF"/>
+                      </a:solidFill>
+                    </a14:hiddenFill>
+                  </a:ext>
+                </a:extLst>
+              </p:spPr>
+            </p:pic>
           </p:grpSp>
         </p:grpSp>
-        <p:grpSp>
-          <p:nvGrpSpPr>
-            <p:cNvPr id="8" name="Group 7">
+        <p:pic>
+          <p:nvPicPr>
+            <p:cNvPr id="20" name="Picture 19">
               <a:extLst>
                 <a:ext uri="{FF2B5EF4-FFF2-40B4-BE49-F238E27FC236}">
-                  <a16:creationId xmlns:a16="http://schemas.microsoft.com/office/drawing/2014/main" id="{DF8CFDBC-0852-FD48-7887-CEBA70B3FCCF}"/>
+                  <a16:creationId xmlns:a16="http://schemas.microsoft.com/office/drawing/2014/main" id="{73C42317-EC6E-D0BB-1EAC-CC1ACC0D79FA}"/>
                 </a:ext>
               </a:extLst>
             </p:cNvPr>
-            <p:cNvGrpSpPr/>
+            <p:cNvPicPr>
+              <a:picLocks noChangeAspect="1"/>
+            </p:cNvPicPr>
             <p:nvPr/>
-          </p:nvGrpSpPr>
-          <p:grpSpPr>
+          </p:nvPicPr>
+          <p:blipFill>
+            <a:blip r:embed="rId6"/>
+            <a:stretch>
+              <a:fillRect/>
+            </a:stretch>
+          </p:blipFill>
+          <p:spPr>
             <a:xfrm>
-              <a:off x="1151731" y="617341"/>
-              <a:ext cx="3716338" cy="5623318"/>
-              <a:chOff x="7247731" y="617340"/>
-              <a:chExt cx="3716338" cy="5623318"/>
+              <a:off x="7885715" y="958846"/>
+              <a:ext cx="2438781" cy="4527553"/>
             </a:xfrm>
-          </p:grpSpPr>
-          <p:pic>
-            <p:nvPicPr>
-              <p:cNvPr id="9" name="Picture 2" descr="Iphone X Screen Mockup transparent PNG - StickPNG">
-                <a:extLst>
-                  <a:ext uri="{FF2B5EF4-FFF2-40B4-BE49-F238E27FC236}">
-                    <a16:creationId xmlns:a16="http://schemas.microsoft.com/office/drawing/2014/main" id="{B677BFE9-8CF0-008B-B213-CB4E7640F05B}"/>
-                  </a:ext>
-                </a:extLst>
-              </p:cNvPr>
-              <p:cNvPicPr>
-                <a:picLocks noChangeAspect="1" noChangeArrowheads="1"/>
-              </p:cNvPicPr>
-              <p:nvPr/>
-            </p:nvPicPr>
-            <p:blipFill>
-              <a:blip r:embed="rId3">
-                <a:extLst>
-                  <a:ext uri="{28A0092B-C50C-407E-A947-70E740481C1C}">
-                    <a14:useLocalDpi xmlns:a14="http://schemas.microsoft.com/office/drawing/2010/main" val="0"/>
-                  </a:ext>
-                </a:extLst>
-              </a:blip>
-              <a:srcRect/>
-              <a:stretch>
-                <a:fillRect/>
-              </a:stretch>
-            </p:blipFill>
-            <p:spPr bwMode="auto">
-              <a:xfrm>
-                <a:off x="7247731" y="617340"/>
-                <a:ext cx="3716338" cy="5623318"/>
-              </a:xfrm>
-              <a:prstGeom prst="rect">
-                <a:avLst/>
-              </a:prstGeom>
-              <a:noFill/>
-              <a:extLst>
-                <a:ext uri="{909E8E84-426E-40DD-AFC4-6F175D3DCCD1}">
-                  <a14:hiddenFill xmlns:a14="http://schemas.microsoft.com/office/drawing/2010/main">
-                    <a:solidFill>
-                      <a:srgbClr val="FFFFFF"/>
-                    </a:solidFill>
-                  </a14:hiddenFill>
-                </a:ext>
-              </a:extLst>
-            </p:spPr>
-          </p:pic>
-          <p:pic>
-            <p:nvPicPr>
-              <p:cNvPr id="14" name="Picture 10" descr="Apple Logo and symbol, meaning, history, PNG, brand">
-                <a:extLst>
-                  <a:ext uri="{FF2B5EF4-FFF2-40B4-BE49-F238E27FC236}">
-                    <a16:creationId xmlns:a16="http://schemas.microsoft.com/office/drawing/2014/main" id="{02A3220C-85FD-1DCB-65D7-E422774EE254}"/>
-                  </a:ext>
-                </a:extLst>
-              </p:cNvPr>
-              <p:cNvPicPr>
-                <a:picLocks noChangeAspect="1" noChangeArrowheads="1"/>
-              </p:cNvPicPr>
-              <p:nvPr/>
-            </p:nvPicPr>
-            <p:blipFill>
-              <a:blip r:embed="rId4">
-                <a:lum bright="70000" contrast="-70000"/>
-                <a:extLst>
-                  <a:ext uri="{BEBA8EAE-BF5A-486C-A8C5-ECC9F3942E4B}">
-                    <a14:imgProps xmlns:a14="http://schemas.microsoft.com/office/drawing/2010/main">
-                      <a14:imgLayer r:embed="rId5">
-                        <a14:imgEffect>
-                          <a14:brightnessContrast bright="-100000"/>
-                        </a14:imgEffect>
-                      </a14:imgLayer>
-                    </a14:imgProps>
-                  </a:ext>
-                  <a:ext uri="{28A0092B-C50C-407E-A947-70E740481C1C}">
-                    <a14:useLocalDpi xmlns:a14="http://schemas.microsoft.com/office/drawing/2010/main" val="0"/>
-                  </a:ext>
-                </a:extLst>
-              </a:blip>
-              <a:srcRect/>
-              <a:stretch>
-                <a:fillRect/>
-              </a:stretch>
-            </p:blipFill>
-            <p:spPr bwMode="auto">
-              <a:xfrm>
-                <a:off x="8372475" y="3016447"/>
-                <a:ext cx="1466850" cy="825104"/>
-              </a:xfrm>
-              <a:prstGeom prst="rect">
-                <a:avLst/>
-              </a:prstGeom>
-              <a:noFill/>
-              <a:extLst>
-                <a:ext uri="{909E8E84-426E-40DD-AFC4-6F175D3DCCD1}">
-                  <a14:hiddenFill xmlns:a14="http://schemas.microsoft.com/office/drawing/2010/main">
-                    <a:solidFill>
-                      <a:srgbClr val="FFFFFF"/>
-                    </a:solidFill>
-                  </a14:hiddenFill>
-                </a:ext>
-              </a:extLst>
-            </p:spPr>
-          </p:pic>
-        </p:grpSp>
+            <a:prstGeom prst="rect">
+              <a:avLst/>
+            </a:prstGeom>
+          </p:spPr>
+        </p:pic>
       </p:grpSp>
-      <p:pic>
-        <p:nvPicPr>
-          <p:cNvPr id="20" name="Picture 19">
-            <a:extLst>
-              <a:ext uri="{FF2B5EF4-FFF2-40B4-BE49-F238E27FC236}">
-                <a16:creationId xmlns:a16="http://schemas.microsoft.com/office/drawing/2014/main" id="{73C42317-EC6E-D0BB-1EAC-CC1ACC0D79FA}"/>
-              </a:ext>
-            </a:extLst>
-          </p:cNvPr>
-          <p:cNvPicPr>
-            <a:picLocks noChangeAspect="1"/>
-          </p:cNvPicPr>
-          <p:nvPr/>
-        </p:nvPicPr>
-        <p:blipFill>
-          <a:blip r:embed="rId6"/>
-          <a:stretch>
-            <a:fillRect/>
-          </a:stretch>
-        </p:blipFill>
-        <p:spPr>
-          <a:xfrm>
-            <a:off x="7885715" y="958846"/>
-            <a:ext cx="2438781" cy="4527553"/>
-          </a:xfrm>
-          <a:prstGeom prst="rect">
-            <a:avLst/>
-          </a:prstGeom>
-        </p:spPr>
-      </p:pic>
     </p:spTree>
     <p:extLst>
       <p:ext uri="{BB962C8B-B14F-4D97-AF65-F5344CB8AC3E}">
